--- a/unity-tutorial/unity-tutorial.pptx
+++ b/unity-tutorial/unity-tutorial.pptx
@@ -14,7 +14,7 @@
     <p:sldId id="259" r:id="rId5"/>
     <p:sldId id="260" r:id="rId6"/>
     <p:sldId id="261" r:id="rId7"/>
-    <p:sldId id="262" r:id="rId8"/>
+    <p:sldId id="263" r:id="rId8"/>
   </p:sldIdLst>
   <p:sldSz cx="12192000" cy="6858000"/>
   <p:notesSz cx="6858000" cy="9144000"/>
@@ -125,7 +125,7 @@
 <p1510:revInfo xmlns:a="http://schemas.openxmlformats.org/drawingml/2006/main" xmlns:r="http://schemas.openxmlformats.org/officeDocument/2006/relationships" xmlns:p1510="http://schemas.microsoft.com/office/powerpoint/2015/10/main">
   <p1510:revLst>
     <p1510:client id="{63582ECB-DBC9-7B02-04D3-408D272713A9}" v="26" dt="2019-10-16T19:14:18.775"/>
-    <p1510:client id="{CFEAC7E4-4A11-47D1-8FA5-AD351CDCA05E}" v="41" dt="2019-10-16T19:22:22.765"/>
+    <p1510:client id="{CFEAC7E4-4A11-47D1-8FA5-AD351CDCA05E}" v="65" dt="2019-10-17T15:41:05.517"/>
     <p1510:client id="{E8388363-9A1C-4805-9935-94EB83A249D0}" v="8" dt="2019-10-16T16:00:14.049"/>
   </p1510:revLst>
 </p1510:revInfo>
@@ -136,7 +136,7 @@
   <pc:docChgLst>
     <pc:chgData name="Shiyao Zhang" userId="0094afdc-c81d-43d6-8225-bb309accda26" providerId="ADAL" clId="{CFEAC7E4-4A11-47D1-8FA5-AD351CDCA05E}"/>
     <pc:docChg chg="undo custSel addSld delSld modSld modMainMaster">
-      <pc:chgData name="Shiyao Zhang" userId="0094afdc-c81d-43d6-8225-bb309accda26" providerId="ADAL" clId="{CFEAC7E4-4A11-47D1-8FA5-AD351CDCA05E}" dt="2019-10-16T19:29:11.818" v="511" actId="1076"/>
+      <pc:chgData name="Shiyao Zhang" userId="0094afdc-c81d-43d6-8225-bb309accda26" providerId="ADAL" clId="{CFEAC7E4-4A11-47D1-8FA5-AD351CDCA05E}" dt="2019-10-17T15:41:14.503" v="551" actId="2696"/>
       <pc:docMkLst>
         <pc:docMk/>
       </pc:docMkLst>
@@ -261,7 +261,7 @@
         </pc:spChg>
       </pc:sldChg>
       <pc:sldChg chg="modSp add">
-        <pc:chgData name="Shiyao Zhang" userId="0094afdc-c81d-43d6-8225-bb309accda26" providerId="ADAL" clId="{CFEAC7E4-4A11-47D1-8FA5-AD351CDCA05E}" dt="2019-10-16T19:22:14.494" v="492" actId="20577"/>
+        <pc:chgData name="Shiyao Zhang" userId="0094afdc-c81d-43d6-8225-bb309accda26" providerId="ADAL" clId="{CFEAC7E4-4A11-47D1-8FA5-AD351CDCA05E}" dt="2019-10-17T15:39:21.674" v="542" actId="27636"/>
         <pc:sldMkLst>
           <pc:docMk/>
           <pc:sldMk cId="3510489486" sldId="261"/>
@@ -275,7 +275,7 @@
           </ac:spMkLst>
         </pc:spChg>
         <pc:spChg chg="mod">
-          <ac:chgData name="Shiyao Zhang" userId="0094afdc-c81d-43d6-8225-bb309accda26" providerId="ADAL" clId="{CFEAC7E4-4A11-47D1-8FA5-AD351CDCA05E}" dt="2019-10-16T19:22:14.494" v="492" actId="20577"/>
+          <ac:chgData name="Shiyao Zhang" userId="0094afdc-c81d-43d6-8225-bb309accda26" providerId="ADAL" clId="{CFEAC7E4-4A11-47D1-8FA5-AD351CDCA05E}" dt="2019-10-17T15:39:21.674" v="542" actId="27636"/>
           <ac:spMkLst>
             <pc:docMk/>
             <pc:sldMk cId="3510489486" sldId="261"/>
@@ -283,14 +283,14 @@
           </ac:spMkLst>
         </pc:spChg>
       </pc:sldChg>
-      <pc:sldChg chg="modSp add">
-        <pc:chgData name="Shiyao Zhang" userId="0094afdc-c81d-43d6-8225-bb309accda26" providerId="ADAL" clId="{CFEAC7E4-4A11-47D1-8FA5-AD351CDCA05E}" dt="2019-10-16T19:22:30.910" v="495" actId="6549"/>
+      <pc:sldChg chg="modSp add del">
+        <pc:chgData name="Shiyao Zhang" userId="0094afdc-c81d-43d6-8225-bb309accda26" providerId="ADAL" clId="{CFEAC7E4-4A11-47D1-8FA5-AD351CDCA05E}" dt="2019-10-17T15:41:14.503" v="551" actId="2696"/>
         <pc:sldMkLst>
           <pc:docMk/>
           <pc:sldMk cId="1843695146" sldId="262"/>
         </pc:sldMkLst>
         <pc:spChg chg="mod">
-          <ac:chgData name="Shiyao Zhang" userId="0094afdc-c81d-43d6-8225-bb309accda26" providerId="ADAL" clId="{CFEAC7E4-4A11-47D1-8FA5-AD351CDCA05E}" dt="2019-10-16T19:22:22.765" v="493"/>
+          <ac:chgData name="Shiyao Zhang" userId="0094afdc-c81d-43d6-8225-bb309accda26" providerId="ADAL" clId="{CFEAC7E4-4A11-47D1-8FA5-AD351CDCA05E}" dt="2019-10-17T15:41:01.314" v="545"/>
           <ac:spMkLst>
             <pc:docMk/>
             <pc:sldMk cId="1843695146" sldId="262"/>
@@ -298,11 +298,42 @@
           </ac:spMkLst>
         </pc:spChg>
         <pc:spChg chg="mod">
-          <ac:chgData name="Shiyao Zhang" userId="0094afdc-c81d-43d6-8225-bb309accda26" providerId="ADAL" clId="{CFEAC7E4-4A11-47D1-8FA5-AD351CDCA05E}" dt="2019-10-16T19:22:30.910" v="495" actId="6549"/>
+          <ac:chgData name="Shiyao Zhang" userId="0094afdc-c81d-43d6-8225-bb309accda26" providerId="ADAL" clId="{CFEAC7E4-4A11-47D1-8FA5-AD351CDCA05E}" dt="2019-10-17T15:40:09.881" v="543" actId="6549"/>
           <ac:spMkLst>
             <pc:docMk/>
             <pc:sldMk cId="1843695146" sldId="262"/>
             <ac:spMk id="3" creationId="{17582FA0-9F1B-4B85-B090-84F25E3047AB}"/>
+          </ac:spMkLst>
+        </pc:spChg>
+      </pc:sldChg>
+      <pc:sldChg chg="addSp delSp modSp add">
+        <pc:chgData name="Shiyao Zhang" userId="0094afdc-c81d-43d6-8225-bb309accda26" providerId="ADAL" clId="{CFEAC7E4-4A11-47D1-8FA5-AD351CDCA05E}" dt="2019-10-17T15:41:11.645" v="550" actId="478"/>
+        <pc:sldMkLst>
+          <pc:docMk/>
+          <pc:sldMk cId="1185844879" sldId="263"/>
+        </pc:sldMkLst>
+        <pc:spChg chg="mod">
+          <ac:chgData name="Shiyao Zhang" userId="0094afdc-c81d-43d6-8225-bb309accda26" providerId="ADAL" clId="{CFEAC7E4-4A11-47D1-8FA5-AD351CDCA05E}" dt="2019-10-17T15:41:08.760" v="549" actId="20577"/>
+          <ac:spMkLst>
+            <pc:docMk/>
+            <pc:sldMk cId="1185844879" sldId="263"/>
+            <ac:spMk id="2" creationId="{755EA1D9-4F64-4085-98A3-057B8345160F}"/>
+          </ac:spMkLst>
+        </pc:spChg>
+        <pc:spChg chg="del">
+          <ac:chgData name="Shiyao Zhang" userId="0094afdc-c81d-43d6-8225-bb309accda26" providerId="ADAL" clId="{CFEAC7E4-4A11-47D1-8FA5-AD351CDCA05E}" dt="2019-10-17T15:41:11.645" v="550" actId="478"/>
+          <ac:spMkLst>
+            <pc:docMk/>
+            <pc:sldMk cId="1185844879" sldId="263"/>
+            <ac:spMk id="3" creationId="{91251E47-82AA-4FD9-B5E5-169AB7BE9487}"/>
+          </ac:spMkLst>
+        </pc:spChg>
+        <pc:spChg chg="add mod">
+          <ac:chgData name="Shiyao Zhang" userId="0094afdc-c81d-43d6-8225-bb309accda26" providerId="ADAL" clId="{CFEAC7E4-4A11-47D1-8FA5-AD351CDCA05E}" dt="2019-10-17T15:41:11.645" v="550" actId="478"/>
+          <ac:spMkLst>
+            <pc:docMk/>
+            <pc:sldMk cId="1185844879" sldId="263"/>
+            <ac:spMk id="5" creationId="{E3AA820B-9051-4249-8254-899628169BA2}"/>
           </ac:spMkLst>
         </pc:spChg>
       </pc:sldChg>
@@ -582,7 +613,7 @@
           <a:p>
             <a:fld id="{C8C4DC78-FC9D-42F7-A612-EA1ED59E0653}" type="datetimeFigureOut">
               <a:rPr lang="en-GB" smtClean="0"/>
-              <a:t>16/10/2019</a:t>
+              <a:t>17/10/2019</a:t>
             </a:fld>
             <a:endParaRPr lang="en-GB"/>
           </a:p>
@@ -1174,7 +1205,7 @@
           <a:p>
             <a:fld id="{54C9B038-C8B2-485D-A404-F6FAE1487EB7}" type="datetimeFigureOut">
               <a:rPr lang="en-GB" smtClean="0"/>
-              <a:t>16/10/2019</a:t>
+              <a:t>17/10/2019</a:t>
             </a:fld>
             <a:endParaRPr lang="en-GB"/>
           </a:p>
@@ -1374,7 +1405,7 @@
           <a:p>
             <a:fld id="{54C9B038-C8B2-485D-A404-F6FAE1487EB7}" type="datetimeFigureOut">
               <a:rPr lang="en-GB" smtClean="0"/>
-              <a:t>16/10/2019</a:t>
+              <a:t>17/10/2019</a:t>
             </a:fld>
             <a:endParaRPr lang="en-GB"/>
           </a:p>
@@ -1584,7 +1615,7 @@
           <a:p>
             <a:fld id="{54C9B038-C8B2-485D-A404-F6FAE1487EB7}" type="datetimeFigureOut">
               <a:rPr lang="en-GB" smtClean="0"/>
-              <a:t>16/10/2019</a:t>
+              <a:t>17/10/2019</a:t>
             </a:fld>
             <a:endParaRPr lang="en-GB"/>
           </a:p>
@@ -1784,7 +1815,7 @@
           <a:p>
             <a:fld id="{54C9B038-C8B2-485D-A404-F6FAE1487EB7}" type="datetimeFigureOut">
               <a:rPr lang="en-GB" smtClean="0"/>
-              <a:t>16/10/2019</a:t>
+              <a:t>17/10/2019</a:t>
             </a:fld>
             <a:endParaRPr lang="en-GB"/>
           </a:p>
@@ -2060,7 +2091,7 @@
           <a:p>
             <a:fld id="{54C9B038-C8B2-485D-A404-F6FAE1487EB7}" type="datetimeFigureOut">
               <a:rPr lang="en-GB" smtClean="0"/>
-              <a:t>16/10/2019</a:t>
+              <a:t>17/10/2019</a:t>
             </a:fld>
             <a:endParaRPr lang="en-GB"/>
           </a:p>
@@ -2328,7 +2359,7 @@
           <a:p>
             <a:fld id="{54C9B038-C8B2-485D-A404-F6FAE1487EB7}" type="datetimeFigureOut">
               <a:rPr lang="en-GB" smtClean="0"/>
-              <a:t>16/10/2019</a:t>
+              <a:t>17/10/2019</a:t>
             </a:fld>
             <a:endParaRPr lang="en-GB"/>
           </a:p>
@@ -2743,7 +2774,7 @@
           <a:p>
             <a:fld id="{54C9B038-C8B2-485D-A404-F6FAE1487EB7}" type="datetimeFigureOut">
               <a:rPr lang="en-GB" smtClean="0"/>
-              <a:t>16/10/2019</a:t>
+              <a:t>17/10/2019</a:t>
             </a:fld>
             <a:endParaRPr lang="en-GB"/>
           </a:p>
@@ -2885,7 +2916,7 @@
           <a:p>
             <a:fld id="{54C9B038-C8B2-485D-A404-F6FAE1487EB7}" type="datetimeFigureOut">
               <a:rPr lang="en-GB" smtClean="0"/>
-              <a:t>16/10/2019</a:t>
+              <a:t>17/10/2019</a:t>
             </a:fld>
             <a:endParaRPr lang="en-GB"/>
           </a:p>
@@ -2998,7 +3029,7 @@
           <a:p>
             <a:fld id="{54C9B038-C8B2-485D-A404-F6FAE1487EB7}" type="datetimeFigureOut">
               <a:rPr lang="en-GB" smtClean="0"/>
-              <a:t>16/10/2019</a:t>
+              <a:t>17/10/2019</a:t>
             </a:fld>
             <a:endParaRPr lang="en-GB"/>
           </a:p>
@@ -3311,7 +3342,7 @@
           <a:p>
             <a:fld id="{54C9B038-C8B2-485D-A404-F6FAE1487EB7}" type="datetimeFigureOut">
               <a:rPr lang="en-GB" smtClean="0"/>
-              <a:t>16/10/2019</a:t>
+              <a:t>17/10/2019</a:t>
             </a:fld>
             <a:endParaRPr lang="en-GB"/>
           </a:p>
@@ -3600,7 +3631,7 @@
           <a:p>
             <a:fld id="{54C9B038-C8B2-485D-A404-F6FAE1487EB7}" type="datetimeFigureOut">
               <a:rPr lang="en-GB" smtClean="0"/>
-              <a:t>16/10/2019</a:t>
+              <a:t>17/10/2019</a:t>
             </a:fld>
             <a:endParaRPr lang="en-GB"/>
           </a:p>
@@ -3846,7 +3877,7 @@
           <a:p>
             <a:fld id="{54C9B038-C8B2-485D-A404-F6FAE1487EB7}" type="datetimeFigureOut">
               <a:rPr lang="en-GB" smtClean="0"/>
-              <a:t>16/10/2019</a:t>
+              <a:t>17/10/2019</a:t>
             </a:fld>
             <a:endParaRPr lang="en-GB"/>
           </a:p>
@@ -5187,10 +5218,206 @@
                     <a:lumMod val="75000"/>
                   </a:schemeClr>
                 </a:solidFill>
-                <a:cs typeface="Calibri"/>
+                <a:hlinkClick r:id="rId2">
+                  <a:extLst>
+                    <a:ext uri="{A12FA001-AC4F-418D-AE19-62706E023703}">
+                      <ahyp:hlinkClr xmlns:ahyp="http://schemas.microsoft.com/office/drawing/2018/hyperlinkcolor" val="tx"/>
+                    </a:ext>
+                  </a:extLst>
+                </a:hlinkClick>
               </a:rPr>
-              <a:t>- here’s a bunch of interesting tutorials for you to get started with other stuff</a:t>
-            </a:r>
+              <a:t>https://assetstore.unity.com/</a:t>
+            </a:r>
+            <a:endParaRPr lang="en-GB" dirty="0">
+              <a:solidFill>
+                <a:schemeClr val="bg1">
+                  <a:lumMod val="75000"/>
+                </a:schemeClr>
+              </a:solidFill>
+            </a:endParaRPr>
+          </a:p>
+          <a:p>
+            <a:r>
+              <a:rPr lang="en-GB" dirty="0">
+                <a:solidFill>
+                  <a:schemeClr val="bg1">
+                    <a:lumMod val="75000"/>
+                  </a:schemeClr>
+                </a:solidFill>
+                <a:hlinkClick r:id="rId3">
+                  <a:extLst>
+                    <a:ext uri="{A12FA001-AC4F-418D-AE19-62706E023703}">
+                      <ahyp:hlinkClr xmlns:ahyp="http://schemas.microsoft.com/office/drawing/2018/hyperlinkcolor" val="tx"/>
+                    </a:ext>
+                  </a:extLst>
+                </a:hlinkClick>
+              </a:rPr>
+              <a:t>https://www.mapbox.com/</a:t>
+            </a:r>
+            <a:endParaRPr lang="en-GB" dirty="0">
+              <a:solidFill>
+                <a:schemeClr val="bg1">
+                  <a:lumMod val="75000"/>
+                </a:schemeClr>
+              </a:solidFill>
+            </a:endParaRPr>
+          </a:p>
+          <a:p>
+            <a:r>
+              <a:rPr lang="en-GB" dirty="0">
+                <a:solidFill>
+                  <a:schemeClr val="bg1">
+                    <a:lumMod val="75000"/>
+                  </a:schemeClr>
+                </a:solidFill>
+                <a:hlinkClick r:id="rId4">
+                  <a:extLst>
+                    <a:ext uri="{A12FA001-AC4F-418D-AE19-62706E023703}">
+                      <ahyp:hlinkClr xmlns:ahyp="http://schemas.microsoft.com/office/drawing/2018/hyperlinkcolor" val="tx"/>
+                    </a:ext>
+                  </a:extLst>
+                </a:hlinkClick>
+              </a:rPr>
+              <a:t>https://developers.google.com/ar</a:t>
+            </a:r>
+            <a:endParaRPr lang="en-GB" dirty="0">
+              <a:solidFill>
+                <a:schemeClr val="bg1">
+                  <a:lumMod val="75000"/>
+                </a:schemeClr>
+              </a:solidFill>
+            </a:endParaRPr>
+          </a:p>
+          <a:p>
+            <a:r>
+              <a:rPr lang="en-GB" dirty="0">
+                <a:solidFill>
+                  <a:schemeClr val="bg1">
+                    <a:lumMod val="75000"/>
+                  </a:schemeClr>
+                </a:solidFill>
+                <a:hlinkClick r:id="rId5">
+                  <a:extLst>
+                    <a:ext uri="{A12FA001-AC4F-418D-AE19-62706E023703}">
+                      <ahyp:hlinkClr xmlns:ahyp="http://schemas.microsoft.com/office/drawing/2018/hyperlinkcolor" val="tx"/>
+                    </a:ext>
+                  </a:extLst>
+                </a:hlinkClick>
+              </a:rPr>
+              <a:t>https://docs.microsoft.com/en-gb/windows/mixed-reality/</a:t>
+            </a:r>
+            <a:endParaRPr lang="en-GB" dirty="0">
+              <a:solidFill>
+                <a:schemeClr val="bg1">
+                  <a:lumMod val="75000"/>
+                </a:schemeClr>
+              </a:solidFill>
+            </a:endParaRPr>
+          </a:p>
+          <a:p>
+            <a:r>
+              <a:rPr lang="en-GB" dirty="0">
+                <a:solidFill>
+                  <a:schemeClr val="bg1">
+                    <a:lumMod val="75000"/>
+                  </a:schemeClr>
+                </a:solidFill>
+                <a:hlinkClick r:id="rId6">
+                  <a:extLst>
+                    <a:ext uri="{A12FA001-AC4F-418D-AE19-62706E023703}">
+                      <ahyp:hlinkClr xmlns:ahyp="http://schemas.microsoft.com/office/drawing/2018/hyperlinkcolor" val="tx"/>
+                    </a:ext>
+                  </a:extLst>
+                </a:hlinkClick>
+              </a:rPr>
+              <a:t>https://unity.com/ray-tracing</a:t>
+            </a:r>
+            <a:endParaRPr lang="en-GB" dirty="0">
+              <a:solidFill>
+                <a:schemeClr val="bg1">
+                  <a:lumMod val="75000"/>
+                </a:schemeClr>
+              </a:solidFill>
+            </a:endParaRPr>
+          </a:p>
+          <a:p>
+            <a:r>
+              <a:rPr lang="en-GB" dirty="0">
+                <a:solidFill>
+                  <a:schemeClr val="bg1">
+                    <a:lumMod val="75000"/>
+                  </a:schemeClr>
+                </a:solidFill>
+                <a:hlinkClick r:id="rId7">
+                  <a:extLst>
+                    <a:ext uri="{A12FA001-AC4F-418D-AE19-62706E023703}">
+                      <ahyp:hlinkClr xmlns:ahyp="http://schemas.microsoft.com/office/drawing/2018/hyperlinkcolor" val="tx"/>
+                    </a:ext>
+                  </a:extLst>
+                </a:hlinkClick>
+              </a:rPr>
+              <a:t>https://docs.unity3d.com/Manual/index.html</a:t>
+            </a:r>
+            <a:endParaRPr lang="en-GB" dirty="0">
+              <a:solidFill>
+                <a:schemeClr val="bg1">
+                  <a:lumMod val="75000"/>
+                </a:schemeClr>
+              </a:solidFill>
+            </a:endParaRPr>
+          </a:p>
+          <a:p>
+            <a:r>
+              <a:rPr lang="en-GB" dirty="0">
+                <a:solidFill>
+                  <a:schemeClr val="bg1">
+                    <a:lumMod val="75000"/>
+                  </a:schemeClr>
+                </a:solidFill>
+                <a:hlinkClick r:id="rId8">
+                  <a:extLst>
+                    <a:ext uri="{A12FA001-AC4F-418D-AE19-62706E023703}">
+                      <ahyp:hlinkClr xmlns:ahyp="http://schemas.microsoft.com/office/drawing/2018/hyperlinkcolor" val="tx"/>
+                    </a:ext>
+                  </a:extLst>
+                </a:hlinkClick>
+              </a:rPr>
+              <a:t>https://docs.unity3d.com/ScriptReference/</a:t>
+            </a:r>
+            <a:endParaRPr lang="en-GB" dirty="0">
+              <a:solidFill>
+                <a:schemeClr val="bg1">
+                  <a:lumMod val="75000"/>
+                </a:schemeClr>
+              </a:solidFill>
+            </a:endParaRPr>
+          </a:p>
+          <a:p>
+            <a:r>
+              <a:rPr lang="en-GB" dirty="0">
+                <a:solidFill>
+                  <a:schemeClr val="bg1">
+                    <a:lumMod val="75000"/>
+                  </a:schemeClr>
+                </a:solidFill>
+                <a:hlinkClick r:id="rId9">
+                  <a:extLst>
+                    <a:ext uri="{A12FA001-AC4F-418D-AE19-62706E023703}">
+                      <ahyp:hlinkClr xmlns:ahyp="http://schemas.microsoft.com/office/drawing/2018/hyperlinkcolor" val="tx"/>
+                    </a:ext>
+                  </a:extLst>
+                </a:hlinkClick>
+              </a:rPr>
+              <a:t>https://docs.microsoft.com/en-us/dotnet/csharp/</a:t>
+            </a:r>
+            <a:endParaRPr lang="en-GB" dirty="0">
+              <a:solidFill>
+                <a:schemeClr val="bg1">
+                  <a:lumMod val="75000"/>
+                </a:schemeClr>
+              </a:solidFill>
+              <a:cs typeface="Calibri"/>
+            </a:endParaRPr>
           </a:p>
         </p:txBody>
       </p:sp>
@@ -5229,15 +5456,15 @@
           <p:cNvPr id="2" name="Title 1">
             <a:extLst>
               <a:ext uri="{FF2B5EF4-FFF2-40B4-BE49-F238E27FC236}">
-                <a16:creationId xmlns:a16="http://schemas.microsoft.com/office/drawing/2014/main" id="{909FC863-C20D-44C6-AF07-C50A72A0705B}"/>
-              </a:ext>
-            </a:extLst>
-          </p:cNvPr>
-          <p:cNvSpPr>
-            <a:spLocks noGrp="1"/>
-          </p:cNvSpPr>
-          <p:nvPr>
-            <p:ph type="title"/>
+                <a16:creationId xmlns:a16="http://schemas.microsoft.com/office/drawing/2014/main" id="{755EA1D9-4F64-4085-98A3-057B8345160F}"/>
+              </a:ext>
+            </a:extLst>
+          </p:cNvPr>
+          <p:cNvSpPr>
+            <a:spLocks noGrp="1"/>
+          </p:cNvSpPr>
+          <p:nvPr>
+            <p:ph type="ctrTitle"/>
           </p:nvPr>
         </p:nvSpPr>
         <p:spPr/>
@@ -5260,55 +5487,33 @@
       </p:sp>
       <p:sp>
         <p:nvSpPr>
-          <p:cNvPr id="3" name="Content Placeholder 2">
-            <a:extLst>
-              <a:ext uri="{FF2B5EF4-FFF2-40B4-BE49-F238E27FC236}">
-                <a16:creationId xmlns:a16="http://schemas.microsoft.com/office/drawing/2014/main" id="{17582FA0-9F1B-4B85-B090-84F25E3047AB}"/>
-              </a:ext>
-            </a:extLst>
-          </p:cNvPr>
-          <p:cNvSpPr>
-            <a:spLocks noGrp="1"/>
-          </p:cNvSpPr>
-          <p:nvPr>
-            <p:ph idx="1"/>
+          <p:cNvPr id="5" name="Subtitle 4">
+            <a:extLst>
+              <a:ext uri="{FF2B5EF4-FFF2-40B4-BE49-F238E27FC236}">
+                <a16:creationId xmlns:a16="http://schemas.microsoft.com/office/drawing/2014/main" id="{E3AA820B-9051-4249-8254-899628169BA2}"/>
+              </a:ext>
+            </a:extLst>
+          </p:cNvPr>
+          <p:cNvSpPr>
+            <a:spLocks noGrp="1"/>
+          </p:cNvSpPr>
+          <p:nvPr>
+            <p:ph type="subTitle" idx="1"/>
           </p:nvPr>
         </p:nvSpPr>
         <p:spPr/>
         <p:txBody>
-          <a:bodyPr vert="horz" lIns="91440" tIns="45720" rIns="91440" bIns="45720" rtlCol="0" anchor="t">
-            <a:normAutofit/>
-          </a:bodyPr>
-          <a:lstStyle/>
-          <a:p>
-            <a:r>
-              <a:rPr lang="en-GB" dirty="0">
-                <a:solidFill>
-                  <a:schemeClr val="bg1">
-                    <a:lumMod val="75000"/>
-                  </a:schemeClr>
-                </a:solidFill>
-                <a:cs typeface="Calibri"/>
-              </a:rPr>
-              <a:t>And then maybe helping out with common places where they get stuck.</a:t>
-            </a:r>
-          </a:p>
-          <a:p>
-            <a:endParaRPr lang="en-GB" dirty="0">
-              <a:solidFill>
-                <a:schemeClr val="bg1">
-                  <a:lumMod val="75000"/>
-                </a:schemeClr>
-              </a:solidFill>
-              <a:cs typeface="Calibri"/>
-            </a:endParaRPr>
+          <a:bodyPr/>
+          <a:lstStyle/>
+          <a:p>
+            <a:endParaRPr lang="en-GB"/>
           </a:p>
         </p:txBody>
       </p:sp>
     </p:spTree>
     <p:extLst>
       <p:ext uri="{BB962C8B-B14F-4D97-AF65-F5344CB8AC3E}">
-        <p14:creationId xmlns:p14="http://schemas.microsoft.com/office/powerpoint/2010/main" val="1843695146"/>
+        <p14:creationId xmlns:p14="http://schemas.microsoft.com/office/powerpoint/2010/main" val="1185844879"/>
       </p:ext>
     </p:extLst>
   </p:cSld>
